--- a/網頁程式專案報告.pptx
+++ b/網頁程式專案報告.pptx
@@ -12,16 +12,22 @@
     <p:sldId id="286" r:id="rId7"/>
     <p:sldId id="287" r:id="rId8"/>
     <p:sldId id="288" r:id="rId9"/>
-    <p:sldId id="289" r:id="rId10"/>
-    <p:sldId id="290" r:id="rId11"/>
-    <p:sldId id="291" r:id="rId12"/>
-    <p:sldId id="292" r:id="rId13"/>
-    <p:sldId id="293" r:id="rId14"/>
-    <p:sldId id="294" r:id="rId15"/>
-    <p:sldId id="295" r:id="rId16"/>
-    <p:sldId id="296" r:id="rId17"/>
-    <p:sldId id="265" r:id="rId18"/>
-    <p:sldId id="271" r:id="rId19"/>
+    <p:sldId id="299" r:id="rId10"/>
+    <p:sldId id="300" r:id="rId11"/>
+    <p:sldId id="301" r:id="rId12"/>
+    <p:sldId id="302" r:id="rId13"/>
+    <p:sldId id="303" r:id="rId14"/>
+    <p:sldId id="305" r:id="rId15"/>
+    <p:sldId id="289" r:id="rId16"/>
+    <p:sldId id="290" r:id="rId17"/>
+    <p:sldId id="291" r:id="rId18"/>
+    <p:sldId id="292" r:id="rId19"/>
+    <p:sldId id="293" r:id="rId20"/>
+    <p:sldId id="294" r:id="rId21"/>
+    <p:sldId id="295" r:id="rId22"/>
+    <p:sldId id="296" r:id="rId23"/>
+    <p:sldId id="265" r:id="rId24"/>
+    <p:sldId id="271" r:id="rId25"/>
   </p:sldIdLst>
   <p:sldSz cx="12192000" cy="6858000"/>
   <p:notesSz cx="6858000" cy="9144000"/>
@@ -16623,6 +16629,451 @@
         <p:nvPr/>
       </p:nvGrpSpPr>
       <p:grpSpPr/>
+      <p:sp>
+        <p:nvSpPr>
+          <p:cNvPr id="2" name="Title 1"/>
+          <p:cNvSpPr>
+            <a:spLocks noGrp="1"/>
+          </p:cNvSpPr>
+          <p:nvPr>
+            <p:ph type="title"/>
+          </p:nvPr>
+        </p:nvSpPr>
+        <p:spPr/>
+        <p:txBody>
+          <a:bodyPr/>
+          <a:p>
+            <a:r>
+              <a:rPr lang="en-US">
+                <a:sym typeface="+mn-ea"/>
+              </a:rPr>
+              <a:t>程式邏輯</a:t>
+            </a:r>
+            <a:endParaRPr lang="en-US"/>
+          </a:p>
+        </p:txBody>
+      </p:sp>
+      <p:pic>
+        <p:nvPicPr>
+          <p:cNvPr id="4" name="Content Placeholder 3" descr="Capture"/>
+          <p:cNvPicPr>
+            <a:picLocks noChangeAspect="1"/>
+          </p:cNvPicPr>
+          <p:nvPr>
+            <p:ph idx="1"/>
+          </p:nvPr>
+        </p:nvPicPr>
+        <p:blipFill>
+          <a:blip r:embed="rId1"/>
+          <a:stretch>
+            <a:fillRect/>
+          </a:stretch>
+        </p:blipFill>
+        <p:spPr>
+          <a:xfrm>
+            <a:off x="3463925" y="1125855"/>
+            <a:ext cx="5415915" cy="5634355"/>
+          </a:xfrm>
+          <a:prstGeom prst="rect">
+            <a:avLst/>
+          </a:prstGeom>
+        </p:spPr>
+      </p:pic>
+    </p:spTree>
+  </p:cSld>
+  <p:clrMapOvr>
+    <a:masterClrMapping/>
+  </p:clrMapOvr>
+</p:sld>
+</file>
+
+<file path=ppt/slides/slide11.xml><?xml version="1.0" encoding="utf-8"?>
+<p:sld xmlns:a="http://schemas.openxmlformats.org/drawingml/2006/main" xmlns:r="http://schemas.openxmlformats.org/officeDocument/2006/relationships" xmlns:p="http://schemas.openxmlformats.org/presentationml/2006/main">
+  <p:cSld>
+    <p:spTree>
+      <p:nvGrpSpPr>
+        <p:cNvPr id="1" name=""/>
+        <p:cNvGrpSpPr/>
+        <p:nvPr/>
+      </p:nvGrpSpPr>
+      <p:grpSpPr/>
+      <p:sp>
+        <p:nvSpPr>
+          <p:cNvPr id="2" name="Title 1"/>
+          <p:cNvSpPr>
+            <a:spLocks noGrp="1"/>
+          </p:cNvSpPr>
+          <p:nvPr>
+            <p:ph type="title"/>
+          </p:nvPr>
+        </p:nvSpPr>
+        <p:spPr/>
+        <p:txBody>
+          <a:bodyPr/>
+          <a:p>
+            <a:r>
+              <a:rPr lang="en-US">
+                <a:sym typeface="+mn-ea"/>
+              </a:rPr>
+              <a:t>程式邏輯</a:t>
+            </a:r>
+            <a:endParaRPr lang="en-US"/>
+          </a:p>
+        </p:txBody>
+      </p:sp>
+      <p:pic>
+        <p:nvPicPr>
+          <p:cNvPr id="4" name="Content Placeholder 3" descr="Capture"/>
+          <p:cNvPicPr>
+            <a:picLocks noChangeAspect="1"/>
+          </p:cNvPicPr>
+          <p:nvPr>
+            <p:ph idx="1"/>
+          </p:nvPr>
+        </p:nvPicPr>
+        <p:blipFill>
+          <a:blip r:embed="rId1"/>
+          <a:stretch>
+            <a:fillRect/>
+          </a:stretch>
+        </p:blipFill>
+        <p:spPr>
+          <a:xfrm>
+            <a:off x="1888490" y="1359535"/>
+            <a:ext cx="8535670" cy="5078730"/>
+          </a:xfrm>
+          <a:prstGeom prst="rect">
+            <a:avLst/>
+          </a:prstGeom>
+        </p:spPr>
+      </p:pic>
+    </p:spTree>
+  </p:cSld>
+  <p:clrMapOvr>
+    <a:masterClrMapping/>
+  </p:clrMapOvr>
+</p:sld>
+</file>
+
+<file path=ppt/slides/slide12.xml><?xml version="1.0" encoding="utf-8"?>
+<p:sld xmlns:a="http://schemas.openxmlformats.org/drawingml/2006/main" xmlns:r="http://schemas.openxmlformats.org/officeDocument/2006/relationships" xmlns:p="http://schemas.openxmlformats.org/presentationml/2006/main">
+  <p:cSld>
+    <p:spTree>
+      <p:nvGrpSpPr>
+        <p:cNvPr id="1" name=""/>
+        <p:cNvGrpSpPr/>
+        <p:nvPr/>
+      </p:nvGrpSpPr>
+      <p:grpSpPr/>
+      <p:sp>
+        <p:nvSpPr>
+          <p:cNvPr id="2" name="Title 1"/>
+          <p:cNvSpPr>
+            <a:spLocks noGrp="1"/>
+          </p:cNvSpPr>
+          <p:nvPr>
+            <p:ph type="title"/>
+          </p:nvPr>
+        </p:nvSpPr>
+        <p:spPr/>
+        <p:txBody>
+          <a:bodyPr/>
+          <a:p>
+            <a:r>
+              <a:rPr lang="en-US">
+                <a:sym typeface="+mn-ea"/>
+              </a:rPr>
+              <a:t>程式邏輯</a:t>
+            </a:r>
+            <a:endParaRPr lang="en-US"/>
+          </a:p>
+        </p:txBody>
+      </p:sp>
+      <p:pic>
+        <p:nvPicPr>
+          <p:cNvPr id="4" name="Content Placeholder 3" descr="Capture"/>
+          <p:cNvPicPr>
+            <a:picLocks noChangeAspect="1"/>
+          </p:cNvPicPr>
+          <p:nvPr>
+            <p:ph idx="1"/>
+          </p:nvPr>
+        </p:nvPicPr>
+        <p:blipFill>
+          <a:blip r:embed="rId1"/>
+          <a:stretch>
+            <a:fillRect/>
+          </a:stretch>
+        </p:blipFill>
+        <p:spPr>
+          <a:xfrm>
+            <a:off x="1976755" y="1363980"/>
+            <a:ext cx="8470900" cy="5139055"/>
+          </a:xfrm>
+          <a:prstGeom prst="rect">
+            <a:avLst/>
+          </a:prstGeom>
+        </p:spPr>
+      </p:pic>
+    </p:spTree>
+  </p:cSld>
+  <p:clrMapOvr>
+    <a:masterClrMapping/>
+  </p:clrMapOvr>
+</p:sld>
+</file>
+
+<file path=ppt/slides/slide13.xml><?xml version="1.0" encoding="utf-8"?>
+<p:sld xmlns:a="http://schemas.openxmlformats.org/drawingml/2006/main" xmlns:r="http://schemas.openxmlformats.org/officeDocument/2006/relationships" xmlns:p="http://schemas.openxmlformats.org/presentationml/2006/main">
+  <p:cSld>
+    <p:spTree>
+      <p:nvGrpSpPr>
+        <p:cNvPr id="1" name=""/>
+        <p:cNvGrpSpPr/>
+        <p:nvPr/>
+      </p:nvGrpSpPr>
+      <p:grpSpPr/>
+      <p:sp>
+        <p:nvSpPr>
+          <p:cNvPr id="2" name="Title 1"/>
+          <p:cNvSpPr>
+            <a:spLocks noGrp="1"/>
+          </p:cNvSpPr>
+          <p:nvPr>
+            <p:ph type="title"/>
+          </p:nvPr>
+        </p:nvSpPr>
+        <p:spPr/>
+        <p:txBody>
+          <a:bodyPr/>
+          <a:p>
+            <a:r>
+              <a:rPr lang="en-US">
+                <a:sym typeface="+mn-ea"/>
+              </a:rPr>
+              <a:t>程式邏輯</a:t>
+            </a:r>
+            <a:endParaRPr lang="en-US"/>
+          </a:p>
+        </p:txBody>
+      </p:sp>
+      <p:pic>
+        <p:nvPicPr>
+          <p:cNvPr id="4" name="Content Placeholder 3" descr="Capture"/>
+          <p:cNvPicPr>
+            <a:picLocks noChangeAspect="1"/>
+          </p:cNvPicPr>
+          <p:nvPr>
+            <p:ph idx="1"/>
+          </p:nvPr>
+        </p:nvPicPr>
+        <p:blipFill>
+          <a:blip r:embed="rId1"/>
+          <a:stretch>
+            <a:fillRect/>
+          </a:stretch>
+        </p:blipFill>
+        <p:spPr>
+          <a:xfrm>
+            <a:off x="1009650" y="1404620"/>
+            <a:ext cx="10506710" cy="5080000"/>
+          </a:xfrm>
+          <a:prstGeom prst="rect">
+            <a:avLst/>
+          </a:prstGeom>
+        </p:spPr>
+      </p:pic>
+    </p:spTree>
+  </p:cSld>
+  <p:clrMapOvr>
+    <a:masterClrMapping/>
+  </p:clrMapOvr>
+</p:sld>
+</file>
+
+<file path=ppt/slides/slide14.xml><?xml version="1.0" encoding="utf-8"?>
+<p:sld xmlns:a="http://schemas.openxmlformats.org/drawingml/2006/main" xmlns:r="http://schemas.openxmlformats.org/officeDocument/2006/relationships" xmlns:p="http://schemas.openxmlformats.org/presentationml/2006/main">
+  <p:cSld>
+    <p:spTree>
+      <p:nvGrpSpPr>
+        <p:cNvPr id="1" name=""/>
+        <p:cNvGrpSpPr/>
+        <p:nvPr/>
+      </p:nvGrpSpPr>
+      <p:grpSpPr/>
+      <p:sp>
+        <p:nvSpPr>
+          <p:cNvPr id="2" name="Title 1"/>
+          <p:cNvSpPr>
+            <a:spLocks noGrp="1"/>
+          </p:cNvSpPr>
+          <p:nvPr>
+            <p:ph type="title"/>
+          </p:nvPr>
+        </p:nvSpPr>
+        <p:spPr/>
+        <p:txBody>
+          <a:bodyPr/>
+          <a:p>
+            <a:r>
+              <a:rPr lang="en-US"/>
+              <a:t>遭遇問題</a:t>
+            </a:r>
+            <a:endParaRPr lang="en-US"/>
+          </a:p>
+        </p:txBody>
+      </p:sp>
+      <p:sp>
+        <p:nvSpPr>
+          <p:cNvPr id="3" name="Content Placeholder 2"/>
+          <p:cNvSpPr>
+            <a:spLocks noGrp="1"/>
+          </p:cNvSpPr>
+          <p:nvPr>
+            <p:ph idx="1"/>
+          </p:nvPr>
+        </p:nvSpPr>
+        <p:spPr/>
+        <p:txBody>
+          <a:bodyPr/>
+          <a:p>
+            <a:r>
+              <a:rPr lang="en-US"/>
+              <a:t>21</a:t>
+            </a:r>
+            <a:r>
+              <a:rPr lang="zh-CN" altLang="en-US"/>
+              <a:t>點程式種類很多，邏輯判斷微妙的有一些不同，整合成自己的程式花費了</a:t>
+            </a:r>
+            <a:r>
+              <a:rPr lang="zh-CN" altLang="en-US"/>
+              <a:t>不少力氣</a:t>
+            </a:r>
+            <a:endParaRPr lang="zh-CN" altLang="en-US"/>
+          </a:p>
+          <a:p>
+            <a:r>
+              <a:rPr lang="zh-CN" altLang="en-US"/>
+              <a:t>抓取圖檔的方式也不同，有些是以一張</a:t>
+            </a:r>
+            <a:r>
+              <a:rPr lang="en-US" altLang="zh-CN"/>
+              <a:t>52</a:t>
+            </a:r>
+            <a:r>
+              <a:rPr lang="zh-CN" altLang="en-US"/>
+              <a:t>種牌面的圖檔抓，也有用程式生成牌面沒用到圖檔</a:t>
+            </a:r>
+            <a:r>
+              <a:rPr lang="zh-CN" altLang="en-US"/>
+              <a:t>的程式</a:t>
+            </a:r>
+            <a:endParaRPr lang="zh-CN" altLang="en-US"/>
+          </a:p>
+          <a:p>
+            <a:r>
+              <a:rPr lang="zh-CN" altLang="en-US"/>
+              <a:t>遊戲結果的</a:t>
+            </a:r>
+            <a:r>
+              <a:rPr lang="en-US" altLang="zh-CN"/>
+              <a:t>bug</a:t>
+            </a:r>
+            <a:r>
+              <a:rPr lang="zh-CN" altLang="en-US"/>
+              <a:t>特別多，例如獲得</a:t>
+            </a:r>
+            <a:r>
+              <a:rPr lang="en-US" altLang="zh-CN"/>
+              <a:t>5</a:t>
+            </a:r>
+            <a:r>
+              <a:rPr lang="zh-CN" altLang="en-US"/>
+              <a:t>龍但是點數比對面的兩張牌小卻沒贏的情況，拿到</a:t>
+            </a:r>
+            <a:r>
+              <a:rPr lang="en-US" altLang="zh-CN"/>
+              <a:t>1</a:t>
+            </a:r>
+            <a:r>
+              <a:rPr lang="zh-CN" altLang="en-US"/>
+              <a:t>張以上的</a:t>
+            </a:r>
+            <a:r>
+              <a:rPr lang="en-US" altLang="zh-CN"/>
+              <a:t>Ace</a:t>
+            </a:r>
+            <a:r>
+              <a:rPr lang="zh-CN" altLang="en-US"/>
+              <a:t>的情況，</a:t>
+            </a:r>
+            <a:endParaRPr lang="zh-CN" altLang="en-US"/>
+          </a:p>
+          <a:p>
+            <a:endParaRPr lang="zh-CN" altLang="en-US"/>
+          </a:p>
+        </p:txBody>
+      </p:sp>
+    </p:spTree>
+  </p:cSld>
+  <p:clrMapOvr>
+    <a:masterClrMapping/>
+  </p:clrMapOvr>
+</p:sld>
+</file>
+
+<file path=ppt/slides/slide15.xml><?xml version="1.0" encoding="utf-8"?>
+<p:sld xmlns:a="http://schemas.openxmlformats.org/drawingml/2006/main" xmlns:r="http://schemas.openxmlformats.org/officeDocument/2006/relationships" xmlns:p="http://schemas.openxmlformats.org/presentationml/2006/main">
+  <p:cSld>
+    <p:spTree>
+      <p:nvGrpSpPr>
+        <p:cNvPr id="1" name=""/>
+        <p:cNvGrpSpPr/>
+        <p:nvPr/>
+      </p:nvGrpSpPr>
+      <p:grpSpPr/>
+      <p:pic>
+        <p:nvPicPr>
+          <p:cNvPr id="7" name="Picture 6" descr="2"/>
+          <p:cNvPicPr>
+            <a:picLocks noChangeAspect="1"/>
+          </p:cNvPicPr>
+          <p:nvPr/>
+        </p:nvPicPr>
+        <p:blipFill>
+          <a:blip r:embed="rId1"/>
+          <a:stretch>
+            <a:fillRect/>
+          </a:stretch>
+        </p:blipFill>
+        <p:spPr>
+          <a:xfrm>
+            <a:off x="2564130" y="384810"/>
+            <a:ext cx="7063740" cy="6088380"/>
+          </a:xfrm>
+          <a:prstGeom prst="rect">
+            <a:avLst/>
+          </a:prstGeom>
+        </p:spPr>
+      </p:pic>
+    </p:spTree>
+  </p:cSld>
+  <p:clrMapOvr>
+    <a:masterClrMapping/>
+  </p:clrMapOvr>
+</p:sld>
+</file>
+
+<file path=ppt/slides/slide16.xml><?xml version="1.0" encoding="utf-8"?>
+<p:sld xmlns:a="http://schemas.openxmlformats.org/drawingml/2006/main" xmlns:r="http://schemas.openxmlformats.org/officeDocument/2006/relationships" xmlns:p="http://schemas.openxmlformats.org/presentationml/2006/main">
+  <p:cSld>
+    <p:spTree>
+      <p:nvGrpSpPr>
+        <p:cNvPr id="1" name=""/>
+        <p:cNvGrpSpPr/>
+        <p:nvPr/>
+      </p:nvGrpSpPr>
+      <p:grpSpPr/>
       <p:pic>
         <p:nvPicPr>
           <p:cNvPr id="2" name="Picture 1" descr="3"/>
@@ -16656,7 +17107,7 @@
 </p:sld>
 </file>
 
-<file path=ppt/slides/slide11.xml><?xml version="1.0" encoding="utf-8"?>
+<file path=ppt/slides/slide17.xml><?xml version="1.0" encoding="utf-8"?>
 <p:sld xmlns:a="http://schemas.openxmlformats.org/drawingml/2006/main" xmlns:r="http://schemas.openxmlformats.org/officeDocument/2006/relationships" xmlns:p="http://schemas.openxmlformats.org/presentationml/2006/main">
   <p:cSld>
     <p:spTree>
@@ -16698,7 +17149,7 @@
 </p:sld>
 </file>
 
-<file path=ppt/slides/slide12.xml><?xml version="1.0" encoding="utf-8"?>
+<file path=ppt/slides/slide18.xml><?xml version="1.0" encoding="utf-8"?>
 <p:sld xmlns:a="http://schemas.openxmlformats.org/drawingml/2006/main" xmlns:r="http://schemas.openxmlformats.org/officeDocument/2006/relationships" xmlns:p="http://schemas.openxmlformats.org/presentationml/2006/main">
   <p:cSld>
     <p:spTree>
@@ -16741,7 +17192,7 @@
 </p:sld>
 </file>
 
-<file path=ppt/slides/slide13.xml><?xml version="1.0" encoding="utf-8"?>
+<file path=ppt/slides/slide19.xml><?xml version="1.0" encoding="utf-8"?>
 <p:sld xmlns:a="http://schemas.openxmlformats.org/drawingml/2006/main" xmlns:r="http://schemas.openxmlformats.org/officeDocument/2006/relationships" xmlns:p="http://schemas.openxmlformats.org/presentationml/2006/main">
   <p:cSld>
     <p:spTree>
@@ -16783,7 +17234,150 @@
 </p:sld>
 </file>
 
-<file path=ppt/slides/slide14.xml><?xml version="1.0" encoding="utf-8"?>
+<file path=ppt/slides/slide2.xml><?xml version="1.0" encoding="utf-8"?>
+<p:sld xmlns:a="http://schemas.openxmlformats.org/drawingml/2006/main" xmlns:r="http://schemas.openxmlformats.org/officeDocument/2006/relationships" xmlns:p="http://schemas.openxmlformats.org/presentationml/2006/main">
+  <p:cSld>
+    <p:spTree>
+      <p:nvGrpSpPr>
+        <p:cNvPr id="1" name=""/>
+        <p:cNvGrpSpPr/>
+        <p:nvPr/>
+      </p:nvGrpSpPr>
+      <p:grpSpPr>
+        <a:xfrm>
+          <a:off x="0" y="0"/>
+          <a:ext cx="0" cy="0"/>
+          <a:chOff x="0" y="0"/>
+          <a:chExt cx="0" cy="0"/>
+        </a:xfrm>
+      </p:grpSpPr>
+      <p:sp>
+        <p:nvSpPr>
+          <p:cNvPr id="2" name="Title 1"/>
+          <p:cNvSpPr>
+            <a:spLocks noGrp="1"/>
+          </p:cNvSpPr>
+          <p:nvPr>
+            <p:ph type="title"/>
+          </p:nvPr>
+        </p:nvSpPr>
+        <p:spPr/>
+        <p:txBody>
+          <a:bodyPr/>
+          <a:lstStyle/>
+          <a:p>
+            <a:r>
+              <a:rPr lang="zh-CN" altLang="en-US">
+                <a:sym typeface="+mn-ea"/>
+              </a:rPr>
+              <a:t>主題：</a:t>
+            </a:r>
+            <a:r>
+              <a:rPr lang="en-US" altLang="zh-CN">
+                <a:sym typeface="+mn-ea"/>
+              </a:rPr>
+              <a:t>Blackjack</a:t>
+            </a:r>
+            <a:r>
+              <a:rPr lang="zh-CN" altLang="en-US">
+                <a:sym typeface="+mn-ea"/>
+              </a:rPr>
+              <a:t>【</a:t>
+            </a:r>
+            <a:r>
+              <a:rPr lang="en-US" altLang="zh-CN">
+                <a:sym typeface="+mn-ea"/>
+              </a:rPr>
+              <a:t>21</a:t>
+            </a:r>
+            <a:r>
+              <a:rPr lang="zh-CN" altLang="zh-CN">
+                <a:sym typeface="+mn-ea"/>
+              </a:rPr>
+              <a:t>點</a:t>
+            </a:r>
+            <a:r>
+              <a:rPr lang="zh-CN" altLang="zh-CN">
+                <a:sym typeface="+mn-ea"/>
+              </a:rPr>
+              <a:t>撲克遊戲】</a:t>
+            </a:r>
+            <a:endParaRPr lang="zh-CN" altLang="zh-CN">
+              <a:sym typeface="+mn-ea"/>
+            </a:endParaRPr>
+          </a:p>
+        </p:txBody>
+      </p:sp>
+      <p:sp>
+        <p:nvSpPr>
+          <p:cNvPr id="3" name="Content Placeholder 2"/>
+          <p:cNvSpPr>
+            <a:spLocks noGrp="1"/>
+          </p:cNvSpPr>
+          <p:nvPr>
+            <p:ph idx="1"/>
+          </p:nvPr>
+        </p:nvSpPr>
+        <p:spPr/>
+        <p:txBody>
+          <a:bodyPr/>
+          <a:lstStyle/>
+          <a:p>
+            <a:r>
+              <a:rPr lang="en-US" dirty="0" err="1"/>
+              <a:t>Github</a:t>
+            </a:r>
+            <a:r>
+              <a:rPr lang="zh-CN" altLang="en-US" dirty="0"/>
+              <a:t>連結：https://github.com/miku10032/blackjack</a:t>
+            </a:r>
+            <a:endParaRPr lang="zh-CN" altLang="en-US" dirty="0"/>
+          </a:p>
+          <a:p>
+            <a:r>
+              <a:rPr lang="zh-CN" altLang="en-US" dirty="0"/>
+              <a:t>網頁連結：https://miku10032.github.io/blackjack/</a:t>
+            </a:r>
+            <a:endParaRPr lang="zh-CN" altLang="en-US" dirty="0"/>
+          </a:p>
+          <a:p>
+            <a:r>
+              <a:rPr lang="zh-CN" altLang="en-US" dirty="0"/>
+              <a:t>嘗試以</a:t>
+            </a:r>
+            <a:r>
+              <a:rPr lang="en-US" altLang="zh-CN" dirty="0"/>
+              <a:t>javascript</a:t>
+            </a:r>
+            <a:r>
+              <a:rPr lang="zh-CN" altLang="en-US" dirty="0"/>
+              <a:t>的寫出一款</a:t>
+            </a:r>
+            <a:r>
+              <a:rPr lang="en-US" altLang="zh-CN" dirty="0"/>
+              <a:t>21</a:t>
+            </a:r>
+            <a:r>
+              <a:rPr lang="zh-CN" altLang="en-US" dirty="0"/>
+              <a:t>點的撲克</a:t>
+            </a:r>
+            <a:r>
+              <a:rPr lang="zh-CN" altLang="en-US" dirty="0"/>
+              <a:t>小遊戲</a:t>
+            </a:r>
+            <a:endParaRPr lang="zh-CN" altLang="en-US" dirty="0"/>
+          </a:p>
+        </p:txBody>
+      </p:sp>
+    </p:spTree>
+  </p:cSld>
+  <p:clrMapOvr>
+    <a:masterClrMapping/>
+  </p:clrMapOvr>
+</p:sld>
+</file>
+
+<file path=ppt/slides/slide20.xml><?xml version="1.0" encoding="utf-8"?>
 <p:sld xmlns:a="http://schemas.openxmlformats.org/drawingml/2006/main" xmlns:r="http://schemas.openxmlformats.org/officeDocument/2006/relationships" xmlns:p="http://schemas.openxmlformats.org/presentationml/2006/main">
   <p:cSld>
     <p:spTree>
@@ -16826,7 +17420,7 @@
 </p:sld>
 </file>
 
-<file path=ppt/slides/slide15.xml><?xml version="1.0" encoding="utf-8"?>
+<file path=ppt/slides/slide21.xml><?xml version="1.0" encoding="utf-8"?>
 <p:sld xmlns:a="http://schemas.openxmlformats.org/drawingml/2006/main" xmlns:r="http://schemas.openxmlformats.org/officeDocument/2006/relationships" xmlns:p="http://schemas.openxmlformats.org/presentationml/2006/main">
   <p:cSld>
     <p:spTree>
@@ -16868,7 +17462,7 @@
 </p:sld>
 </file>
 
-<file path=ppt/slides/slide16.xml><?xml version="1.0" encoding="utf-8"?>
+<file path=ppt/slides/slide22.xml><?xml version="1.0" encoding="utf-8"?>
 <p:sld xmlns:a="http://schemas.openxmlformats.org/drawingml/2006/main" xmlns:r="http://schemas.openxmlformats.org/officeDocument/2006/relationships" xmlns:p="http://schemas.openxmlformats.org/presentationml/2006/main">
   <p:cSld>
     <p:spTree>
@@ -17029,7 +17623,7 @@
 </p:sld>
 </file>
 
-<file path=ppt/slides/slide17.xml><?xml version="1.0" encoding="utf-8"?>
+<file path=ppt/slides/slide23.xml><?xml version="1.0" encoding="utf-8"?>
 <p:sld xmlns:a="http://schemas.openxmlformats.org/drawingml/2006/main" xmlns:r="http://schemas.openxmlformats.org/officeDocument/2006/relationships" xmlns:p="http://schemas.openxmlformats.org/presentationml/2006/main">
   <p:cSld>
     <p:spTree>
@@ -17072,149 +17666,6 @@
               <a:t>感謝聆聽</a:t>
             </a:r>
             <a:endParaRPr lang="zh-TW" altLang="en-US" sz="7200" dirty="0"/>
-          </a:p>
-        </p:txBody>
-      </p:sp>
-    </p:spTree>
-  </p:cSld>
-  <p:clrMapOvr>
-    <a:masterClrMapping/>
-  </p:clrMapOvr>
-</p:sld>
-</file>
-
-<file path=ppt/slides/slide2.xml><?xml version="1.0" encoding="utf-8"?>
-<p:sld xmlns:a="http://schemas.openxmlformats.org/drawingml/2006/main" xmlns:r="http://schemas.openxmlformats.org/officeDocument/2006/relationships" xmlns:p="http://schemas.openxmlformats.org/presentationml/2006/main">
-  <p:cSld>
-    <p:spTree>
-      <p:nvGrpSpPr>
-        <p:cNvPr id="1" name=""/>
-        <p:cNvGrpSpPr/>
-        <p:nvPr/>
-      </p:nvGrpSpPr>
-      <p:grpSpPr>
-        <a:xfrm>
-          <a:off x="0" y="0"/>
-          <a:ext cx="0" cy="0"/>
-          <a:chOff x="0" y="0"/>
-          <a:chExt cx="0" cy="0"/>
-        </a:xfrm>
-      </p:grpSpPr>
-      <p:sp>
-        <p:nvSpPr>
-          <p:cNvPr id="2" name="Title 1"/>
-          <p:cNvSpPr>
-            <a:spLocks noGrp="1"/>
-          </p:cNvSpPr>
-          <p:nvPr>
-            <p:ph type="title"/>
-          </p:nvPr>
-        </p:nvSpPr>
-        <p:spPr/>
-        <p:txBody>
-          <a:bodyPr/>
-          <a:lstStyle/>
-          <a:p>
-            <a:r>
-              <a:rPr lang="zh-CN" altLang="en-US">
-                <a:sym typeface="+mn-ea"/>
-              </a:rPr>
-              <a:t>主題：</a:t>
-            </a:r>
-            <a:r>
-              <a:rPr lang="en-US" altLang="zh-CN">
-                <a:sym typeface="+mn-ea"/>
-              </a:rPr>
-              <a:t>Blackjack</a:t>
-            </a:r>
-            <a:r>
-              <a:rPr lang="zh-CN" altLang="en-US">
-                <a:sym typeface="+mn-ea"/>
-              </a:rPr>
-              <a:t>【</a:t>
-            </a:r>
-            <a:r>
-              <a:rPr lang="en-US" altLang="zh-CN">
-                <a:sym typeface="+mn-ea"/>
-              </a:rPr>
-              <a:t>21</a:t>
-            </a:r>
-            <a:r>
-              <a:rPr lang="zh-CN" altLang="zh-CN">
-                <a:sym typeface="+mn-ea"/>
-              </a:rPr>
-              <a:t>點</a:t>
-            </a:r>
-            <a:r>
-              <a:rPr lang="zh-CN" altLang="zh-CN">
-                <a:sym typeface="+mn-ea"/>
-              </a:rPr>
-              <a:t>撲克遊戲】</a:t>
-            </a:r>
-            <a:endParaRPr lang="zh-CN" altLang="zh-CN">
-              <a:sym typeface="+mn-ea"/>
-            </a:endParaRPr>
-          </a:p>
-        </p:txBody>
-      </p:sp>
-      <p:sp>
-        <p:nvSpPr>
-          <p:cNvPr id="3" name="Content Placeholder 2"/>
-          <p:cNvSpPr>
-            <a:spLocks noGrp="1"/>
-          </p:cNvSpPr>
-          <p:nvPr>
-            <p:ph idx="1"/>
-          </p:nvPr>
-        </p:nvSpPr>
-        <p:spPr/>
-        <p:txBody>
-          <a:bodyPr/>
-          <a:lstStyle/>
-          <a:p>
-            <a:r>
-              <a:rPr lang="en-US" dirty="0" err="1"/>
-              <a:t>Github</a:t>
-            </a:r>
-            <a:r>
-              <a:rPr lang="zh-CN" altLang="en-US" dirty="0"/>
-              <a:t>連結：https://github.com/miku10032/blackjack</a:t>
-            </a:r>
-            <a:endParaRPr lang="zh-CN" altLang="en-US" dirty="0"/>
-          </a:p>
-          <a:p>
-            <a:r>
-              <a:rPr lang="zh-CN" altLang="en-US" dirty="0"/>
-              <a:t>網頁連結：https://miku10032.github.io/blackjack/</a:t>
-            </a:r>
-            <a:endParaRPr lang="zh-CN" altLang="en-US" dirty="0"/>
-          </a:p>
-          <a:p>
-            <a:r>
-              <a:rPr lang="zh-CN" altLang="en-US" dirty="0"/>
-              <a:t>嘗試以</a:t>
-            </a:r>
-            <a:r>
-              <a:rPr lang="en-US" altLang="zh-CN" dirty="0"/>
-              <a:t>javascript</a:t>
-            </a:r>
-            <a:r>
-              <a:rPr lang="zh-CN" altLang="en-US" dirty="0"/>
-              <a:t>的寫出一款</a:t>
-            </a:r>
-            <a:r>
-              <a:rPr lang="en-US" altLang="zh-CN" dirty="0"/>
-              <a:t>21</a:t>
-            </a:r>
-            <a:r>
-              <a:rPr lang="zh-CN" altLang="en-US" dirty="0"/>
-              <a:t>點的撲克</a:t>
-            </a:r>
-            <a:r>
-              <a:rPr lang="zh-CN" altLang="en-US" dirty="0"/>
-              <a:t>小遊戲</a:t>
-            </a:r>
-            <a:endParaRPr lang="zh-CN" altLang="en-US" dirty="0"/>
           </a:p>
         </p:txBody>
       </p:sp>
@@ -17701,104 +18152,44 @@
           <a:bodyPr/>
           <a:p>
             <a:r>
+              <a:rPr lang="en-US">
+                <a:sym typeface="+mn-ea"/>
+              </a:rPr>
+              <a:t>程式邏輯</a:t>
+            </a:r>
+            <a:br>
               <a:rPr lang="en-US"/>
-              <a:t>遭遇問題</a:t>
-            </a:r>
+            </a:br>
             <a:endParaRPr lang="en-US"/>
           </a:p>
         </p:txBody>
       </p:sp>
-      <p:sp>
-        <p:nvSpPr>
-          <p:cNvPr id="3" name="Content Placeholder 2"/>
-          <p:cNvSpPr>
-            <a:spLocks noGrp="1"/>
-          </p:cNvSpPr>
+      <p:pic>
+        <p:nvPicPr>
+          <p:cNvPr id="4" name="Content Placeholder 3" descr="Capture"/>
+          <p:cNvPicPr>
+            <a:picLocks noChangeAspect="1"/>
+          </p:cNvPicPr>
           <p:nvPr>
             <p:ph idx="1"/>
           </p:nvPr>
-        </p:nvSpPr>
-        <p:spPr/>
-        <p:txBody>
-          <a:bodyPr/>
-          <a:p>
-            <a:r>
-              <a:rPr lang="en-US"/>
-              <a:t>21</a:t>
-            </a:r>
-            <a:r>
-              <a:rPr lang="zh-CN" altLang="en-US"/>
-              <a:t>點程式種類很多，邏輯判斷微妙的有一些不同，整合成自己的程式花費了</a:t>
-            </a:r>
-            <a:r>
-              <a:rPr lang="zh-CN" altLang="en-US"/>
-              <a:t>不少力氣</a:t>
-            </a:r>
-            <a:endParaRPr lang="zh-CN" altLang="en-US"/>
-          </a:p>
-          <a:p>
-            <a:r>
-              <a:rPr lang="zh-CN" altLang="en-US"/>
-              <a:t>抓取圖檔的方式也不同，有些是以一張</a:t>
-            </a:r>
-            <a:r>
-              <a:rPr lang="en-US" altLang="zh-CN"/>
-              <a:t>52</a:t>
-            </a:r>
-            <a:r>
-              <a:rPr lang="zh-CN" altLang="en-US"/>
-              <a:t>種牌面的圖檔抓，也有用程式生成牌面沒用到圖檔</a:t>
-            </a:r>
-            <a:r>
-              <a:rPr lang="zh-CN" altLang="en-US"/>
-              <a:t>的程式</a:t>
-            </a:r>
-            <a:endParaRPr lang="zh-CN" altLang="en-US"/>
-          </a:p>
-          <a:p>
-            <a:r>
-              <a:rPr lang="zh-CN" altLang="en-US"/>
-              <a:t>遊戲結果的</a:t>
-            </a:r>
-            <a:r>
-              <a:rPr lang="en-US" altLang="zh-CN"/>
-              <a:t>bug</a:t>
-            </a:r>
-            <a:r>
-              <a:rPr lang="zh-CN" altLang="en-US"/>
-              <a:t>特別多，例如獲得</a:t>
-            </a:r>
-            <a:r>
-              <a:rPr lang="en-US" altLang="zh-CN"/>
-              <a:t>5</a:t>
-            </a:r>
-            <a:r>
-              <a:rPr lang="zh-CN" altLang="en-US"/>
-              <a:t>龍但是點數比對面的兩張牌小卻沒贏的情況，拿到</a:t>
-            </a:r>
-            <a:r>
-              <a:rPr lang="en-US" altLang="zh-CN"/>
-              <a:t>1</a:t>
-            </a:r>
-            <a:r>
-              <a:rPr lang="zh-CN" altLang="en-US"/>
-              <a:t>張以上的</a:t>
-            </a:r>
-            <a:r>
-              <a:rPr lang="en-US" altLang="zh-CN"/>
-              <a:t>Ace</a:t>
-            </a:r>
-            <a:r>
-              <a:rPr lang="zh-CN" altLang="en-US"/>
-              <a:t>的情況，</a:t>
-            </a:r>
-            <a:endParaRPr lang="zh-CN" altLang="en-US"/>
-          </a:p>
-          <a:p>
-            <a:endParaRPr lang="zh-CN" altLang="en-US"/>
-          </a:p>
-        </p:txBody>
-      </p:sp>
+        </p:nvPicPr>
+        <p:blipFill>
+          <a:blip r:embed="rId1"/>
+          <a:stretch>
+            <a:fillRect/>
+          </a:stretch>
+        </p:blipFill>
+        <p:spPr>
+          <a:xfrm>
+            <a:off x="1905635" y="921385"/>
+            <a:ext cx="8153400" cy="5724525"/>
+          </a:xfrm>
+          <a:prstGeom prst="rect">
+            <a:avLst/>
+          </a:prstGeom>
+        </p:spPr>
+      </p:pic>
     </p:spTree>
   </p:cSld>
   <p:clrMapOvr>
@@ -17817,13 +18208,39 @@
         <p:nvPr/>
       </p:nvGrpSpPr>
       <p:grpSpPr/>
+      <p:sp>
+        <p:nvSpPr>
+          <p:cNvPr id="2" name="Title 1"/>
+          <p:cNvSpPr>
+            <a:spLocks noGrp="1"/>
+          </p:cNvSpPr>
+          <p:nvPr>
+            <p:ph type="title"/>
+          </p:nvPr>
+        </p:nvSpPr>
+        <p:spPr/>
+        <p:txBody>
+          <a:bodyPr/>
+          <a:p>
+            <a:r>
+              <a:rPr lang="en-US">
+                <a:sym typeface="+mn-ea"/>
+              </a:rPr>
+              <a:t>程式邏輯</a:t>
+            </a:r>
+            <a:endParaRPr lang="en-US"/>
+          </a:p>
+        </p:txBody>
+      </p:sp>
       <p:pic>
         <p:nvPicPr>
-          <p:cNvPr id="7" name="Picture 6" descr="2"/>
+          <p:cNvPr id="4" name="Content Placeholder 3" descr="Capture"/>
           <p:cNvPicPr>
             <a:picLocks noChangeAspect="1"/>
           </p:cNvPicPr>
-          <p:nvPr/>
+          <p:nvPr>
+            <p:ph idx="1"/>
+          </p:nvPr>
         </p:nvPicPr>
         <p:blipFill>
           <a:blip r:embed="rId1"/>
@@ -17833,8 +18250,8 @@
         </p:blipFill>
         <p:spPr>
           <a:xfrm>
-            <a:off x="2564130" y="384810"/>
-            <a:ext cx="7063740" cy="6088380"/>
+            <a:off x="626745" y="1667510"/>
+            <a:ext cx="10785475" cy="4329430"/>
           </a:xfrm>
           <a:prstGeom prst="rect">
             <a:avLst/>

--- a/網頁程式專案報告.pptx
+++ b/網頁程式專案報告.pptx
@@ -16571,7 +16571,7 @@
               <a:rPr lang="zh-CN" dirty="0">
                 <a:sym typeface="+mn-ea"/>
               </a:rPr>
-              <a:t>網頁程式期末專案報告</a:t>
+              <a:t>網頁程式專案報告</a:t>
             </a:r>
             <a:endParaRPr lang="en-US" dirty="0"/>
           </a:p>
